--- a/Components/img/Example Graphics.pptx
+++ b/Components/img/Example Graphics.pptx
@@ -243,7 +243,7 @@
           <a:p>
             <a:fld id="{C8E08925-2F62-45D7-A6A4-8247331A0CF6}" type="datetimeFigureOut">
               <a:rPr lang="zh-CN" altLang="en-US" smtClean="0"/>
-              <a:t>2018/8/30</a:t>
+              <a:t>2018/10/1</a:t>
             </a:fld>
             <a:endParaRPr lang="zh-CN" altLang="en-US"/>
           </a:p>
@@ -413,7 +413,7 @@
           <a:p>
             <a:fld id="{C8E08925-2F62-45D7-A6A4-8247331A0CF6}" type="datetimeFigureOut">
               <a:rPr lang="zh-CN" altLang="en-US" smtClean="0"/>
-              <a:t>2018/8/30</a:t>
+              <a:t>2018/10/1</a:t>
             </a:fld>
             <a:endParaRPr lang="zh-CN" altLang="en-US"/>
           </a:p>
@@ -593,7 +593,7 @@
           <a:p>
             <a:fld id="{C8E08925-2F62-45D7-A6A4-8247331A0CF6}" type="datetimeFigureOut">
               <a:rPr lang="zh-CN" altLang="en-US" smtClean="0"/>
-              <a:t>2018/8/30</a:t>
+              <a:t>2018/10/1</a:t>
             </a:fld>
             <a:endParaRPr lang="zh-CN" altLang="en-US"/>
           </a:p>
@@ -763,7 +763,7 @@
           <a:p>
             <a:fld id="{C8E08925-2F62-45D7-A6A4-8247331A0CF6}" type="datetimeFigureOut">
               <a:rPr lang="zh-CN" altLang="en-US" smtClean="0"/>
-              <a:t>2018/8/30</a:t>
+              <a:t>2018/10/1</a:t>
             </a:fld>
             <a:endParaRPr lang="zh-CN" altLang="en-US"/>
           </a:p>
@@ -1009,7 +1009,7 @@
           <a:p>
             <a:fld id="{C8E08925-2F62-45D7-A6A4-8247331A0CF6}" type="datetimeFigureOut">
               <a:rPr lang="zh-CN" altLang="en-US" smtClean="0"/>
-              <a:t>2018/8/30</a:t>
+              <a:t>2018/10/1</a:t>
             </a:fld>
             <a:endParaRPr lang="zh-CN" altLang="en-US"/>
           </a:p>
@@ -1241,7 +1241,7 @@
           <a:p>
             <a:fld id="{C8E08925-2F62-45D7-A6A4-8247331A0CF6}" type="datetimeFigureOut">
               <a:rPr lang="zh-CN" altLang="en-US" smtClean="0"/>
-              <a:t>2018/8/30</a:t>
+              <a:t>2018/10/1</a:t>
             </a:fld>
             <a:endParaRPr lang="zh-CN" altLang="en-US"/>
           </a:p>
@@ -1608,7 +1608,7 @@
           <a:p>
             <a:fld id="{C8E08925-2F62-45D7-A6A4-8247331A0CF6}" type="datetimeFigureOut">
               <a:rPr lang="zh-CN" altLang="en-US" smtClean="0"/>
-              <a:t>2018/8/30</a:t>
+              <a:t>2018/10/1</a:t>
             </a:fld>
             <a:endParaRPr lang="zh-CN" altLang="en-US"/>
           </a:p>
@@ -1726,7 +1726,7 @@
           <a:p>
             <a:fld id="{C8E08925-2F62-45D7-A6A4-8247331A0CF6}" type="datetimeFigureOut">
               <a:rPr lang="zh-CN" altLang="en-US" smtClean="0"/>
-              <a:t>2018/8/30</a:t>
+              <a:t>2018/10/1</a:t>
             </a:fld>
             <a:endParaRPr lang="zh-CN" altLang="en-US"/>
           </a:p>
@@ -1821,7 +1821,7 @@
           <a:p>
             <a:fld id="{C8E08925-2F62-45D7-A6A4-8247331A0CF6}" type="datetimeFigureOut">
               <a:rPr lang="zh-CN" altLang="en-US" smtClean="0"/>
-              <a:t>2018/8/30</a:t>
+              <a:t>2018/10/1</a:t>
             </a:fld>
             <a:endParaRPr lang="zh-CN" altLang="en-US"/>
           </a:p>
@@ -2098,7 +2098,7 @@
           <a:p>
             <a:fld id="{C8E08925-2F62-45D7-A6A4-8247331A0CF6}" type="datetimeFigureOut">
               <a:rPr lang="zh-CN" altLang="en-US" smtClean="0"/>
-              <a:t>2018/8/30</a:t>
+              <a:t>2018/10/1</a:t>
             </a:fld>
             <a:endParaRPr lang="zh-CN" altLang="en-US"/>
           </a:p>
@@ -2351,7 +2351,7 @@
           <a:p>
             <a:fld id="{C8E08925-2F62-45D7-A6A4-8247331A0CF6}" type="datetimeFigureOut">
               <a:rPr lang="zh-CN" altLang="en-US" smtClean="0"/>
-              <a:t>2018/8/30</a:t>
+              <a:t>2018/10/1</a:t>
             </a:fld>
             <a:endParaRPr lang="zh-CN" altLang="en-US"/>
           </a:p>
@@ -2564,7 +2564,7 @@
           <a:p>
             <a:fld id="{C8E08925-2F62-45D7-A6A4-8247331A0CF6}" type="datetimeFigureOut">
               <a:rPr lang="zh-CN" altLang="en-US" smtClean="0"/>
-              <a:t>2018/8/30</a:t>
+              <a:t>2018/10/1</a:t>
             </a:fld>
             <a:endParaRPr lang="zh-CN" altLang="en-US"/>
           </a:p>
@@ -2971,6 +2971,76 @@
       </p:grpSpPr>
       <p:sp>
         <p:nvSpPr>
+          <p:cNvPr id="45" name="Rounded Rectangle 44"/>
+          <p:cNvSpPr/>
+          <p:nvPr/>
+        </p:nvSpPr>
+        <p:spPr>
+          <a:xfrm>
+            <a:off x="7125137" y="3920864"/>
+            <a:ext cx="139619" cy="199618"/>
+          </a:xfrm>
+          <a:prstGeom prst="roundRect">
+            <a:avLst/>
+          </a:prstGeom>
+          <a:gradFill>
+            <a:gsLst>
+              <a:gs pos="0">
+                <a:schemeClr val="bg2">
+                  <a:lumMod val="90000"/>
+                </a:schemeClr>
+              </a:gs>
+              <a:gs pos="67000">
+                <a:schemeClr val="bg2">
+                  <a:lumMod val="25000"/>
+                </a:schemeClr>
+              </a:gs>
+              <a:gs pos="90000">
+                <a:schemeClr val="bg1">
+                  <a:lumMod val="50000"/>
+                </a:schemeClr>
+              </a:gs>
+              <a:gs pos="100000">
+                <a:schemeClr val="bg1">
+                  <a:lumMod val="75000"/>
+                </a:schemeClr>
+              </a:gs>
+            </a:gsLst>
+            <a:lin ang="0" scaled="0"/>
+          </a:gradFill>
+          <a:ln>
+            <a:solidFill>
+              <a:schemeClr val="tx1"/>
+            </a:solidFill>
+          </a:ln>
+        </p:spPr>
+        <p:style>
+          <a:lnRef idx="2">
+            <a:schemeClr val="accent1">
+              <a:shade val="50000"/>
+            </a:schemeClr>
+          </a:lnRef>
+          <a:fillRef idx="1">
+            <a:schemeClr val="accent1"/>
+          </a:fillRef>
+          <a:effectRef idx="0">
+            <a:schemeClr val="accent1"/>
+          </a:effectRef>
+          <a:fontRef idx="minor">
+            <a:schemeClr val="lt1"/>
+          </a:fontRef>
+        </p:style>
+        <p:txBody>
+          <a:bodyPr rtlCol="0" anchor="ctr"/>
+          <a:lstStyle/>
+          <a:p>
+            <a:pPr algn="ctr"/>
+            <a:endParaRPr lang="en-US"/>
+          </a:p>
+        </p:txBody>
+      </p:sp>
+      <p:sp>
+        <p:nvSpPr>
           <p:cNvPr id="4" name="Rounded Rectangle 3"/>
           <p:cNvSpPr/>
           <p:nvPr/>
@@ -3995,6 +4065,525 @@
           <a:p>
             <a:pPr algn="ctr"/>
             <a:endParaRPr lang="zh-CN" altLang="en-US"/>
+          </a:p>
+        </p:txBody>
+      </p:sp>
+      <p:grpSp>
+        <p:nvGrpSpPr>
+          <p:cNvPr id="42" name="Group 41"/>
+          <p:cNvGrpSpPr/>
+          <p:nvPr/>
+        </p:nvGrpSpPr>
+        <p:grpSpPr>
+          <a:xfrm>
+            <a:off x="6044802" y="3181350"/>
+            <a:ext cx="167878" cy="934028"/>
+            <a:chOff x="6044802" y="3181350"/>
+            <a:chExt cx="167878" cy="934028"/>
+          </a:xfrm>
+        </p:grpSpPr>
+        <p:cxnSp>
+          <p:nvCxnSpPr>
+            <p:cNvPr id="26" name="Straight Connector 25"/>
+            <p:cNvCxnSpPr/>
+            <p:nvPr/>
+          </p:nvCxnSpPr>
+          <p:spPr>
+            <a:xfrm>
+              <a:off x="6110287" y="3181350"/>
+              <a:ext cx="0" cy="194514"/>
+            </a:xfrm>
+            <a:prstGeom prst="line">
+              <a:avLst/>
+            </a:prstGeom>
+            <a:ln w="28575">
+              <a:solidFill>
+                <a:schemeClr val="tx1"/>
+              </a:solidFill>
+            </a:ln>
+          </p:spPr>
+          <p:style>
+            <a:lnRef idx="1">
+              <a:schemeClr val="accent1"/>
+            </a:lnRef>
+            <a:fillRef idx="0">
+              <a:schemeClr val="accent1"/>
+            </a:fillRef>
+            <a:effectRef idx="0">
+              <a:schemeClr val="accent1"/>
+            </a:effectRef>
+            <a:fontRef idx="minor">
+              <a:schemeClr val="tx1"/>
+            </a:fontRef>
+          </p:style>
+        </p:cxnSp>
+        <p:cxnSp>
+          <p:nvCxnSpPr>
+            <p:cNvPr id="27" name="Straight Connector 26"/>
+            <p:cNvCxnSpPr/>
+            <p:nvPr/>
+          </p:nvCxnSpPr>
+          <p:spPr>
+            <a:xfrm>
+              <a:off x="6110287" y="3357563"/>
+              <a:ext cx="102393" cy="80214"/>
+            </a:xfrm>
+            <a:prstGeom prst="line">
+              <a:avLst/>
+            </a:prstGeom>
+            <a:ln w="28575">
+              <a:solidFill>
+                <a:schemeClr val="tx1">
+                  <a:lumMod val="75000"/>
+                  <a:lumOff val="25000"/>
+                </a:schemeClr>
+              </a:solidFill>
+            </a:ln>
+          </p:spPr>
+          <p:style>
+            <a:lnRef idx="1">
+              <a:schemeClr val="accent1"/>
+            </a:lnRef>
+            <a:fillRef idx="0">
+              <a:schemeClr val="accent1"/>
+            </a:fillRef>
+            <a:effectRef idx="0">
+              <a:schemeClr val="accent1"/>
+            </a:effectRef>
+            <a:fontRef idx="minor">
+              <a:schemeClr val="tx1"/>
+            </a:fontRef>
+          </p:style>
+        </p:cxnSp>
+        <p:cxnSp>
+          <p:nvCxnSpPr>
+            <p:cNvPr id="29" name="Straight Connector 28"/>
+            <p:cNvCxnSpPr/>
+            <p:nvPr/>
+          </p:nvCxnSpPr>
+          <p:spPr>
+            <a:xfrm flipH="1">
+              <a:off x="6045994" y="3437777"/>
+              <a:ext cx="165494" cy="66538"/>
+            </a:xfrm>
+            <a:prstGeom prst="line">
+              <a:avLst/>
+            </a:prstGeom>
+            <a:ln w="28575">
+              <a:solidFill>
+                <a:schemeClr val="bg2">
+                  <a:lumMod val="50000"/>
+                </a:schemeClr>
+              </a:solidFill>
+            </a:ln>
+          </p:spPr>
+          <p:style>
+            <a:lnRef idx="1">
+              <a:schemeClr val="accent1"/>
+            </a:lnRef>
+            <a:fillRef idx="0">
+              <a:schemeClr val="accent1"/>
+            </a:fillRef>
+            <a:effectRef idx="0">
+              <a:schemeClr val="accent1"/>
+            </a:effectRef>
+            <a:fontRef idx="minor">
+              <a:schemeClr val="tx1"/>
+            </a:fontRef>
+          </p:style>
+        </p:cxnSp>
+        <p:cxnSp>
+          <p:nvCxnSpPr>
+            <p:cNvPr id="31" name="Straight Connector 30"/>
+            <p:cNvCxnSpPr/>
+            <p:nvPr/>
+          </p:nvCxnSpPr>
+          <p:spPr>
+            <a:xfrm>
+              <a:off x="6044802" y="3504315"/>
+              <a:ext cx="166686" cy="61913"/>
+            </a:xfrm>
+            <a:prstGeom prst="line">
+              <a:avLst/>
+            </a:prstGeom>
+            <a:ln w="28575">
+              <a:solidFill>
+                <a:schemeClr val="accent2">
+                  <a:lumMod val="50000"/>
+                </a:schemeClr>
+              </a:solidFill>
+            </a:ln>
+          </p:spPr>
+          <p:style>
+            <a:lnRef idx="1">
+              <a:schemeClr val="accent1"/>
+            </a:lnRef>
+            <a:fillRef idx="0">
+              <a:schemeClr val="accent1"/>
+            </a:fillRef>
+            <a:effectRef idx="0">
+              <a:schemeClr val="accent1"/>
+            </a:effectRef>
+            <a:fontRef idx="minor">
+              <a:schemeClr val="tx1"/>
+            </a:fontRef>
+          </p:style>
+        </p:cxnSp>
+        <p:cxnSp>
+          <p:nvCxnSpPr>
+            <p:cNvPr id="34" name="Straight Connector 33"/>
+            <p:cNvCxnSpPr/>
+            <p:nvPr/>
+          </p:nvCxnSpPr>
+          <p:spPr>
+            <a:xfrm flipH="1">
+              <a:off x="6045994" y="3566228"/>
+              <a:ext cx="165494" cy="66538"/>
+            </a:xfrm>
+            <a:prstGeom prst="line">
+              <a:avLst/>
+            </a:prstGeom>
+            <a:ln w="28575">
+              <a:solidFill>
+                <a:schemeClr val="accent4"/>
+              </a:solidFill>
+            </a:ln>
+          </p:spPr>
+          <p:style>
+            <a:lnRef idx="1">
+              <a:schemeClr val="accent1"/>
+            </a:lnRef>
+            <a:fillRef idx="0">
+              <a:schemeClr val="accent1"/>
+            </a:fillRef>
+            <a:effectRef idx="0">
+              <a:schemeClr val="accent1"/>
+            </a:effectRef>
+            <a:fontRef idx="minor">
+              <a:schemeClr val="tx1"/>
+            </a:fontRef>
+          </p:style>
+        </p:cxnSp>
+        <p:cxnSp>
+          <p:nvCxnSpPr>
+            <p:cNvPr id="35" name="Straight Connector 34"/>
+            <p:cNvCxnSpPr/>
+            <p:nvPr/>
+          </p:nvCxnSpPr>
+          <p:spPr>
+            <a:xfrm>
+              <a:off x="6044802" y="3632766"/>
+              <a:ext cx="166686" cy="61913"/>
+            </a:xfrm>
+            <a:prstGeom prst="line">
+              <a:avLst/>
+            </a:prstGeom>
+            <a:ln w="28575">
+              <a:solidFill>
+                <a:schemeClr val="accent4"/>
+              </a:solidFill>
+            </a:ln>
+          </p:spPr>
+          <p:style>
+            <a:lnRef idx="1">
+              <a:schemeClr val="accent1"/>
+            </a:lnRef>
+            <a:fillRef idx="0">
+              <a:schemeClr val="accent1"/>
+            </a:fillRef>
+            <a:effectRef idx="0">
+              <a:schemeClr val="accent1"/>
+            </a:effectRef>
+            <a:fontRef idx="minor">
+              <a:schemeClr val="tx1"/>
+            </a:fontRef>
+          </p:style>
+        </p:cxnSp>
+        <p:cxnSp>
+          <p:nvCxnSpPr>
+            <p:cNvPr id="36" name="Straight Connector 35"/>
+            <p:cNvCxnSpPr/>
+            <p:nvPr/>
+          </p:nvCxnSpPr>
+          <p:spPr>
+            <a:xfrm flipH="1">
+              <a:off x="6045994" y="3694679"/>
+              <a:ext cx="165494" cy="66538"/>
+            </a:xfrm>
+            <a:prstGeom prst="line">
+              <a:avLst/>
+            </a:prstGeom>
+            <a:ln w="28575">
+              <a:solidFill>
+                <a:schemeClr val="accent2">
+                  <a:lumMod val="50000"/>
+                </a:schemeClr>
+              </a:solidFill>
+            </a:ln>
+          </p:spPr>
+          <p:style>
+            <a:lnRef idx="1">
+              <a:schemeClr val="accent1"/>
+            </a:lnRef>
+            <a:fillRef idx="0">
+              <a:schemeClr val="accent1"/>
+            </a:fillRef>
+            <a:effectRef idx="0">
+              <a:schemeClr val="accent1"/>
+            </a:effectRef>
+            <a:fontRef idx="minor">
+              <a:schemeClr val="tx1"/>
+            </a:fontRef>
+          </p:style>
+        </p:cxnSp>
+        <p:cxnSp>
+          <p:nvCxnSpPr>
+            <p:cNvPr id="37" name="Straight Connector 36"/>
+            <p:cNvCxnSpPr/>
+            <p:nvPr/>
+          </p:nvCxnSpPr>
+          <p:spPr>
+            <a:xfrm>
+              <a:off x="6044802" y="3761217"/>
+              <a:ext cx="166686" cy="61913"/>
+            </a:xfrm>
+            <a:prstGeom prst="line">
+              <a:avLst/>
+            </a:prstGeom>
+            <a:ln w="28575">
+              <a:solidFill>
+                <a:schemeClr val="bg2">
+                  <a:lumMod val="50000"/>
+                </a:schemeClr>
+              </a:solidFill>
+            </a:ln>
+          </p:spPr>
+          <p:style>
+            <a:lnRef idx="1">
+              <a:schemeClr val="accent1"/>
+            </a:lnRef>
+            <a:fillRef idx="0">
+              <a:schemeClr val="accent1"/>
+            </a:fillRef>
+            <a:effectRef idx="0">
+              <a:schemeClr val="accent1"/>
+            </a:effectRef>
+            <a:fontRef idx="minor">
+              <a:schemeClr val="tx1"/>
+            </a:fontRef>
+          </p:style>
+        </p:cxnSp>
+        <p:cxnSp>
+          <p:nvCxnSpPr>
+            <p:cNvPr id="40" name="Straight Connector 39"/>
+            <p:cNvCxnSpPr/>
+            <p:nvPr/>
+          </p:nvCxnSpPr>
+          <p:spPr>
+            <a:xfrm rot="5400000">
+              <a:off x="6110286" y="3834220"/>
+              <a:ext cx="102393" cy="80214"/>
+            </a:xfrm>
+            <a:prstGeom prst="line">
+              <a:avLst/>
+            </a:prstGeom>
+            <a:ln w="28575">
+              <a:solidFill>
+                <a:schemeClr val="tx1">
+                  <a:lumMod val="75000"/>
+                  <a:lumOff val="25000"/>
+                </a:schemeClr>
+              </a:solidFill>
+            </a:ln>
+          </p:spPr>
+          <p:style>
+            <a:lnRef idx="1">
+              <a:schemeClr val="accent1"/>
+            </a:lnRef>
+            <a:fillRef idx="0">
+              <a:schemeClr val="accent1"/>
+            </a:fillRef>
+            <a:effectRef idx="0">
+              <a:schemeClr val="accent1"/>
+            </a:effectRef>
+            <a:fontRef idx="minor">
+              <a:schemeClr val="tx1"/>
+            </a:fontRef>
+          </p:style>
+        </p:cxnSp>
+        <p:cxnSp>
+          <p:nvCxnSpPr>
+            <p:cNvPr id="41" name="Straight Connector 40"/>
+            <p:cNvCxnSpPr/>
+            <p:nvPr/>
+          </p:nvCxnSpPr>
+          <p:spPr>
+            <a:xfrm>
+              <a:off x="6116612" y="3920864"/>
+              <a:ext cx="0" cy="194514"/>
+            </a:xfrm>
+            <a:prstGeom prst="line">
+              <a:avLst/>
+            </a:prstGeom>
+            <a:ln w="28575">
+              <a:solidFill>
+                <a:schemeClr val="tx1"/>
+              </a:solidFill>
+            </a:ln>
+          </p:spPr>
+          <p:style>
+            <a:lnRef idx="1">
+              <a:schemeClr val="accent1"/>
+            </a:lnRef>
+            <a:fillRef idx="0">
+              <a:schemeClr val="accent1"/>
+            </a:fillRef>
+            <a:effectRef idx="0">
+              <a:schemeClr val="accent1"/>
+            </a:effectRef>
+            <a:fontRef idx="minor">
+              <a:schemeClr val="tx1"/>
+            </a:fontRef>
+          </p:style>
+        </p:cxnSp>
+      </p:grpSp>
+      <p:sp>
+        <p:nvSpPr>
+          <p:cNvPr id="44" name="Rounded Rectangle 43"/>
+          <p:cNvSpPr/>
+          <p:nvPr/>
+        </p:nvSpPr>
+        <p:spPr>
+          <a:xfrm>
+            <a:off x="6960394" y="3991791"/>
+            <a:ext cx="469106" cy="670697"/>
+          </a:xfrm>
+          <a:prstGeom prst="roundRect">
+            <a:avLst/>
+          </a:prstGeom>
+          <a:gradFill>
+            <a:gsLst>
+              <a:gs pos="0">
+                <a:schemeClr val="bg2">
+                  <a:lumMod val="90000"/>
+                </a:schemeClr>
+              </a:gs>
+              <a:gs pos="67000">
+                <a:schemeClr val="bg2">
+                  <a:lumMod val="25000"/>
+                </a:schemeClr>
+              </a:gs>
+              <a:gs pos="90000">
+                <a:schemeClr val="bg1">
+                  <a:lumMod val="50000"/>
+                </a:schemeClr>
+              </a:gs>
+              <a:gs pos="100000">
+                <a:schemeClr val="bg1">
+                  <a:lumMod val="75000"/>
+                </a:schemeClr>
+              </a:gs>
+            </a:gsLst>
+            <a:lin ang="0" scaled="0"/>
+          </a:gradFill>
+          <a:ln>
+            <a:solidFill>
+              <a:schemeClr val="tx1"/>
+            </a:solidFill>
+          </a:ln>
+        </p:spPr>
+        <p:style>
+          <a:lnRef idx="2">
+            <a:schemeClr val="accent1">
+              <a:shade val="50000"/>
+            </a:schemeClr>
+          </a:lnRef>
+          <a:fillRef idx="1">
+            <a:schemeClr val="accent1"/>
+          </a:fillRef>
+          <a:effectRef idx="0">
+            <a:schemeClr val="accent1"/>
+          </a:effectRef>
+          <a:fontRef idx="minor">
+            <a:schemeClr val="lt1"/>
+          </a:fontRef>
+        </p:style>
+        <p:txBody>
+          <a:bodyPr rtlCol="0" anchor="ctr"/>
+          <a:lstStyle/>
+          <a:p>
+            <a:pPr algn="ctr"/>
+            <a:endParaRPr lang="en-US"/>
+          </a:p>
+        </p:txBody>
+      </p:sp>
+      <p:sp>
+        <p:nvSpPr>
+          <p:cNvPr id="43" name="Rectangle 42"/>
+          <p:cNvSpPr/>
+          <p:nvPr/>
+        </p:nvSpPr>
+        <p:spPr>
+          <a:xfrm>
+            <a:off x="6797278" y="4619625"/>
+            <a:ext cx="795338" cy="85725"/>
+          </a:xfrm>
+          <a:prstGeom prst="rect">
+            <a:avLst/>
+          </a:prstGeom>
+          <a:gradFill>
+            <a:gsLst>
+              <a:gs pos="0">
+                <a:schemeClr val="bg2">
+                  <a:lumMod val="90000"/>
+                </a:schemeClr>
+              </a:gs>
+              <a:gs pos="73000">
+                <a:schemeClr val="bg2">
+                  <a:lumMod val="25000"/>
+                </a:schemeClr>
+              </a:gs>
+              <a:gs pos="76000">
+                <a:schemeClr val="bg1">
+                  <a:lumMod val="50000"/>
+                </a:schemeClr>
+              </a:gs>
+              <a:gs pos="100000">
+                <a:schemeClr val="bg1">
+                  <a:lumMod val="75000"/>
+                </a:schemeClr>
+              </a:gs>
+            </a:gsLst>
+            <a:lin ang="0" scaled="0"/>
+          </a:gradFill>
+          <a:ln>
+            <a:solidFill>
+              <a:schemeClr val="tx1"/>
+            </a:solidFill>
+          </a:ln>
+        </p:spPr>
+        <p:style>
+          <a:lnRef idx="2">
+            <a:schemeClr val="accent1">
+              <a:shade val="50000"/>
+            </a:schemeClr>
+          </a:lnRef>
+          <a:fillRef idx="1">
+            <a:schemeClr val="accent1"/>
+          </a:fillRef>
+          <a:effectRef idx="0">
+            <a:schemeClr val="accent1"/>
+          </a:effectRef>
+          <a:fontRef idx="minor">
+            <a:schemeClr val="lt1"/>
+          </a:fontRef>
+        </p:style>
+        <p:txBody>
+          <a:bodyPr rtlCol="0" anchor="ctr"/>
+          <a:lstStyle/>
+          <a:p>
+            <a:pPr algn="ctr"/>
+            <a:endParaRPr lang="en-US"/>
           </a:p>
         </p:txBody>
       </p:sp>
